--- a/Project Slides.pptx
+++ b/Project Slides.pptx
@@ -15,10 +15,10 @@
     <p:sldId id="260" r:id="rId9"/>
     <p:sldId id="261" r:id="rId10"/>
     <p:sldId id="262" r:id="rId11"/>
-    <p:sldId id="265" r:id="rId12"/>
-    <p:sldId id="266" r:id="rId13"/>
-    <p:sldId id="263" r:id="rId14"/>
-    <p:sldId id="267" r:id="rId15"/>
+    <p:sldId id="267" r:id="rId12"/>
+    <p:sldId id="265" r:id="rId13"/>
+    <p:sldId id="266" r:id="rId14"/>
+    <p:sldId id="263" r:id="rId15"/>
   </p:sldIdLst>
   <p:sldSz cx="12192000" cy="6858000"/>
   <p:notesSz cx="6858000" cy="9144000"/>
@@ -3954,7 +3954,7 @@
           <a:p>
             <a:fld id="{C3D153B2-05FC-491E-9BE5-C84788F295C1}" type="datetimeFigureOut">
               <a:rPr lang="en-US" smtClean="0"/>
-              <a:t>1/13/2026</a:t>
+              <a:t>1/14/2026</a:t>
             </a:fld>
             <a:endParaRPr lang="en-US"/>
           </a:p>
@@ -4152,7 +4152,7 @@
           <a:p>
             <a:fld id="{C3D153B2-05FC-491E-9BE5-C84788F295C1}" type="datetimeFigureOut">
               <a:rPr lang="en-US" smtClean="0"/>
-              <a:t>1/13/2026</a:t>
+              <a:t>1/14/2026</a:t>
             </a:fld>
             <a:endParaRPr lang="en-US"/>
           </a:p>
@@ -4360,7 +4360,7 @@
           <a:p>
             <a:fld id="{C3D153B2-05FC-491E-9BE5-C84788F295C1}" type="datetimeFigureOut">
               <a:rPr lang="en-US" smtClean="0"/>
-              <a:t>1/13/2026</a:t>
+              <a:t>1/14/2026</a:t>
             </a:fld>
             <a:endParaRPr lang="en-US"/>
           </a:p>
@@ -4572,7 +4572,7 @@
           <a:p>
             <a:fld id="{C3D153B2-05FC-491E-9BE5-C84788F295C1}" type="datetimeFigureOut">
               <a:rPr lang="en-US" smtClean="0"/>
-              <a:t>1/13/2026</a:t>
+              <a:t>1/14/2026</a:t>
             </a:fld>
             <a:endParaRPr lang="en-US"/>
           </a:p>
@@ -4783,7 +4783,7 @@
           <a:p>
             <a:fld id="{C3D153B2-05FC-491E-9BE5-C84788F295C1}" type="datetimeFigureOut">
               <a:rPr lang="en-US" smtClean="0"/>
-              <a:t>1/13/2026</a:t>
+              <a:t>1/14/2026</a:t>
             </a:fld>
             <a:endParaRPr lang="en-US"/>
           </a:p>
@@ -5062,7 +5062,7 @@
           <a:p>
             <a:fld id="{C3D153B2-05FC-491E-9BE5-C84788F295C1}" type="datetimeFigureOut">
               <a:rPr lang="en-US" smtClean="0"/>
-              <a:t>1/13/2026</a:t>
+              <a:t>1/14/2026</a:t>
             </a:fld>
             <a:endParaRPr lang="en-US"/>
           </a:p>
@@ -5330,7 +5330,7 @@
           <a:p>
             <a:fld id="{C3D153B2-05FC-491E-9BE5-C84788F295C1}" type="datetimeFigureOut">
               <a:rPr lang="en-US" smtClean="0"/>
-              <a:t>1/13/2026</a:t>
+              <a:t>1/14/2026</a:t>
             </a:fld>
             <a:endParaRPr lang="en-US"/>
           </a:p>
@@ -5746,7 +5746,7 @@
           <a:p>
             <a:fld id="{C3D153B2-05FC-491E-9BE5-C84788F295C1}" type="datetimeFigureOut">
               <a:rPr lang="en-US" smtClean="0"/>
-              <a:t>1/13/2026</a:t>
+              <a:t>1/14/2026</a:t>
             </a:fld>
             <a:endParaRPr lang="en-US"/>
           </a:p>
@@ -5895,7 +5895,7 @@
           <a:p>
             <a:fld id="{C3D153B2-05FC-491E-9BE5-C84788F295C1}" type="datetimeFigureOut">
               <a:rPr lang="en-US" smtClean="0"/>
-              <a:t>1/13/2026</a:t>
+              <a:t>1/14/2026</a:t>
             </a:fld>
             <a:endParaRPr lang="en-US"/>
           </a:p>
@@ -6021,7 +6021,7 @@
           <a:p>
             <a:fld id="{C3D153B2-05FC-491E-9BE5-C84788F295C1}" type="datetimeFigureOut">
               <a:rPr lang="en-US" smtClean="0"/>
-              <a:t>1/13/2026</a:t>
+              <a:t>1/14/2026</a:t>
             </a:fld>
             <a:endParaRPr lang="en-US"/>
           </a:p>
@@ -6272,7 +6272,7 @@
           <a:p>
             <a:fld id="{C3D153B2-05FC-491E-9BE5-C84788F295C1}" type="datetimeFigureOut">
               <a:rPr lang="en-US" smtClean="0"/>
-              <a:t>1/13/2026</a:t>
+              <a:t>1/14/2026</a:t>
             </a:fld>
             <a:endParaRPr lang="en-US"/>
           </a:p>
@@ -6489,7 +6489,7 @@
           <a:p>
             <a:fld id="{C3D153B2-05FC-491E-9BE5-C84788F295C1}" type="datetimeFigureOut">
               <a:rPr lang="en-US" smtClean="0"/>
-              <a:t>1/13/2026</a:t>
+              <a:t>1/14/2026</a:t>
             </a:fld>
             <a:endParaRPr lang="en-US"/>
           </a:p>
@@ -6915,7 +6915,7 @@
           <a:p>
             <a:fld id="{C3D153B2-05FC-491E-9BE5-C84788F295C1}" type="datetimeFigureOut">
               <a:rPr lang="en-US" smtClean="0"/>
-              <a:t>1/13/2026</a:t>
+              <a:t>1/14/2026</a:t>
             </a:fld>
             <a:endParaRPr lang="en-US"/>
           </a:p>
@@ -7121,7 +7121,7 @@
           <a:p>
             <a:fld id="{C3D153B2-05FC-491E-9BE5-C84788F295C1}" type="datetimeFigureOut">
               <a:rPr lang="en-US" smtClean="0"/>
-              <a:t>1/13/2026</a:t>
+              <a:t>1/14/2026</a:t>
             </a:fld>
             <a:endParaRPr lang="en-US"/>
           </a:p>
@@ -7336,7 +7336,7 @@
           <a:p>
             <a:fld id="{C3D153B2-05FC-491E-9BE5-C84788F295C1}" type="datetimeFigureOut">
               <a:rPr lang="en-US" smtClean="0"/>
-              <a:t>1/13/2026</a:t>
+              <a:t>1/14/2026</a:t>
             </a:fld>
             <a:endParaRPr lang="en-US"/>
           </a:p>
@@ -7630,7 +7630,7 @@
           <a:p>
             <a:fld id="{C3D153B2-05FC-491E-9BE5-C84788F295C1}" type="datetimeFigureOut">
               <a:rPr lang="en-US" smtClean="0"/>
-              <a:t>1/13/2026</a:t>
+              <a:t>1/14/2026</a:t>
             </a:fld>
             <a:endParaRPr lang="en-US"/>
           </a:p>
@@ -7895,7 +7895,7 @@
           <a:p>
             <a:fld id="{C3D153B2-05FC-491E-9BE5-C84788F295C1}" type="datetimeFigureOut">
               <a:rPr lang="en-US" smtClean="0"/>
-              <a:t>1/13/2026</a:t>
+              <a:t>1/14/2026</a:t>
             </a:fld>
             <a:endParaRPr lang="en-US"/>
           </a:p>
@@ -8307,7 +8307,7 @@
           <a:p>
             <a:fld id="{C3D153B2-05FC-491E-9BE5-C84788F295C1}" type="datetimeFigureOut">
               <a:rPr lang="en-US" smtClean="0"/>
-              <a:t>1/13/2026</a:t>
+              <a:t>1/14/2026</a:t>
             </a:fld>
             <a:endParaRPr lang="en-US"/>
           </a:p>
@@ -8448,7 +8448,7 @@
           <a:p>
             <a:fld id="{C3D153B2-05FC-491E-9BE5-C84788F295C1}" type="datetimeFigureOut">
               <a:rPr lang="en-US" smtClean="0"/>
-              <a:t>1/13/2026</a:t>
+              <a:t>1/14/2026</a:t>
             </a:fld>
             <a:endParaRPr lang="en-US"/>
           </a:p>
@@ -8561,7 +8561,7 @@
           <a:p>
             <a:fld id="{C3D153B2-05FC-491E-9BE5-C84788F295C1}" type="datetimeFigureOut">
               <a:rPr lang="en-US" smtClean="0"/>
-              <a:t>1/13/2026</a:t>
+              <a:t>1/14/2026</a:t>
             </a:fld>
             <a:endParaRPr lang="en-US"/>
           </a:p>
@@ -8872,7 +8872,7 @@
           <a:p>
             <a:fld id="{C3D153B2-05FC-491E-9BE5-C84788F295C1}" type="datetimeFigureOut">
               <a:rPr lang="en-US" smtClean="0"/>
-              <a:t>1/13/2026</a:t>
+              <a:t>1/14/2026</a:t>
             </a:fld>
             <a:endParaRPr lang="en-US"/>
           </a:p>
@@ -9160,7 +9160,7 @@
           <a:p>
             <a:fld id="{C3D153B2-05FC-491E-9BE5-C84788F295C1}" type="datetimeFigureOut">
               <a:rPr lang="en-US" smtClean="0"/>
-              <a:t>1/13/2026</a:t>
+              <a:t>1/14/2026</a:t>
             </a:fld>
             <a:endParaRPr lang="en-US"/>
           </a:p>
@@ -9401,7 +9401,7 @@
           <a:p>
             <a:fld id="{C3D153B2-05FC-491E-9BE5-C84788F295C1}" type="datetimeFigureOut">
               <a:rPr lang="en-US" smtClean="0"/>
-              <a:t>1/13/2026</a:t>
+              <a:t>1/14/2026</a:t>
             </a:fld>
             <a:endParaRPr lang="en-US"/>
           </a:p>
@@ -10031,7 +10031,7 @@
           <a:p>
             <a:fld id="{C3D153B2-05FC-491E-9BE5-C84788F295C1}" type="datetimeFigureOut">
               <a:rPr lang="en-US" smtClean="0"/>
-              <a:t>1/13/2026</a:t>
+              <a:t>1/14/2026</a:t>
             </a:fld>
             <a:endParaRPr lang="en-US"/>
           </a:p>
@@ -10923,6 +10923,522 @@
         <p:cNvPr id="1" name="">
           <a:extLst>
             <a:ext uri="{FF2B5EF4-FFF2-40B4-BE49-F238E27FC236}">
+              <a16:creationId xmlns:a16="http://schemas.microsoft.com/office/drawing/2014/main" id="{D0E67409-C274-6F51-C40D-6341A235D3A3}"/>
+            </a:ext>
+          </a:extLst>
+        </p:cNvPr>
+        <p:cNvGrpSpPr/>
+        <p:nvPr/>
+      </p:nvGrpSpPr>
+      <p:grpSpPr>
+        <a:xfrm>
+          <a:off x="0" y="0"/>
+          <a:ext cx="0" cy="0"/>
+          <a:chOff x="0" y="0"/>
+          <a:chExt cx="0" cy="0"/>
+        </a:xfrm>
+      </p:grpSpPr>
+      <p:sp>
+        <p:nvSpPr>
+          <p:cNvPr id="72" name="Title 1">
+            <a:extLst>
+              <a:ext uri="{FF2B5EF4-FFF2-40B4-BE49-F238E27FC236}">
+                <a16:creationId xmlns:a16="http://schemas.microsoft.com/office/drawing/2014/main" id="{009674C2-1CD8-107D-1BC0-2BEEE7A1C039}"/>
+              </a:ext>
+            </a:extLst>
+          </p:cNvPr>
+          <p:cNvSpPr txBox="1">
+            <a:spLocks/>
+          </p:cNvSpPr>
+          <p:nvPr/>
+        </p:nvSpPr>
+        <p:spPr>
+          <a:xfrm>
+            <a:off x="214994" y="-589280"/>
+            <a:ext cx="3584848" cy="4165600"/>
+          </a:xfrm>
+          <a:prstGeom prst="rect">
+            <a:avLst/>
+          </a:prstGeom>
+        </p:spPr>
+        <p:txBody>
+          <a:bodyPr vert="horz" lIns="91440" tIns="45720" rIns="91440" bIns="45720" rtlCol="0" anchor="b">
+            <a:normAutofit/>
+          </a:bodyPr>
+          <a:lstStyle>
+            <a:lvl1pPr algn="ctr" defTabSz="914400" rtl="0" eaLnBrk="1" latinLnBrk="0" hangingPunct="1">
+              <a:lnSpc>
+                <a:spcPct val="90000"/>
+              </a:lnSpc>
+              <a:spcBef>
+                <a:spcPct val="0"/>
+              </a:spcBef>
+              <a:buNone/>
+              <a:defRPr sz="6000" kern="1200">
+                <a:solidFill>
+                  <a:schemeClr val="tx1"/>
+                </a:solidFill>
+                <a:latin typeface="+mj-lt"/>
+                <a:ea typeface="+mj-ea"/>
+                <a:cs typeface="+mj-cs"/>
+              </a:defRPr>
+            </a:lvl1pPr>
+          </a:lstStyle>
+          <a:p>
+            <a:pPr algn="l">
+              <a:defRPr sz="3000" b="1">
+                <a:solidFill>
+                  <a:srgbClr val="203A5F"/>
+                </a:solidFill>
+              </a:defRPr>
+            </a:pPr>
+            <a:r>
+              <a:rPr lang="en-US" sz="4400" dirty="0" err="1"/>
+              <a:t>Fastai</a:t>
+            </a:r>
+            <a:r>
+              <a:rPr lang="en-US" sz="4400" dirty="0"/>
+              <a:t> </a:t>
+            </a:r>
+          </a:p>
+          <a:p>
+            <a:pPr algn="l">
+              <a:defRPr sz="3000" b="1">
+                <a:solidFill>
+                  <a:srgbClr val="203A5F"/>
+                </a:solidFill>
+              </a:defRPr>
+            </a:pPr>
+            <a:r>
+              <a:rPr lang="en-US" sz="4400" dirty="0"/>
+              <a:t>classification </a:t>
+            </a:r>
+          </a:p>
+        </p:txBody>
+      </p:sp>
+      <p:pic>
+        <p:nvPicPr>
+          <p:cNvPr id="1026" name="Picture 2">
+            <a:extLst>
+              <a:ext uri="{FF2B5EF4-FFF2-40B4-BE49-F238E27FC236}">
+                <a16:creationId xmlns:a16="http://schemas.microsoft.com/office/drawing/2014/main" id="{479069C2-5473-80B0-F041-1A01CE0980D4}"/>
+              </a:ext>
+            </a:extLst>
+          </p:cNvPr>
+          <p:cNvPicPr>
+            <a:picLocks noChangeAspect="1" noChangeArrowheads="1"/>
+          </p:cNvPicPr>
+          <p:nvPr/>
+        </p:nvPicPr>
+        <p:blipFill>
+          <a:blip r:embed="rId2">
+            <a:extLst>
+              <a:ext uri="{28A0092B-C50C-407E-A947-70E740481C1C}">
+                <a14:useLocalDpi xmlns:a14="http://schemas.microsoft.com/office/drawing/2010/main" val="0"/>
+              </a:ext>
+            </a:extLst>
+          </a:blip>
+          <a:srcRect/>
+          <a:stretch>
+            <a:fillRect/>
+          </a:stretch>
+        </p:blipFill>
+        <p:spPr bwMode="auto">
+          <a:xfrm>
+            <a:off x="9398363" y="560717"/>
+            <a:ext cx="2437457" cy="2573897"/>
+          </a:xfrm>
+          <a:prstGeom prst="rect">
+            <a:avLst/>
+          </a:prstGeom>
+          <a:noFill/>
+          <a:ln w="6350">
+            <a:solidFill>
+              <a:schemeClr val="tx1"/>
+            </a:solidFill>
+          </a:ln>
+          <a:extLst>
+            <a:ext uri="{909E8E84-426E-40DD-AFC4-6F175D3DCCD1}">
+              <a14:hiddenFill xmlns:a14="http://schemas.microsoft.com/office/drawing/2010/main">
+                <a:solidFill>
+                  <a:srgbClr val="FFFFFF"/>
+                </a:solidFill>
+              </a14:hiddenFill>
+            </a:ext>
+          </a:extLst>
+        </p:spPr>
+      </p:pic>
+      <p:pic>
+        <p:nvPicPr>
+          <p:cNvPr id="1028" name="Picture 4">
+            <a:extLst>
+              <a:ext uri="{FF2B5EF4-FFF2-40B4-BE49-F238E27FC236}">
+                <a16:creationId xmlns:a16="http://schemas.microsoft.com/office/drawing/2014/main" id="{23EBEB0C-8BC5-AE9C-C994-71F266657AD7}"/>
+              </a:ext>
+            </a:extLst>
+          </p:cNvPr>
+          <p:cNvPicPr>
+            <a:picLocks noChangeAspect="1" noChangeArrowheads="1"/>
+          </p:cNvPicPr>
+          <p:nvPr/>
+        </p:nvPicPr>
+        <p:blipFill>
+          <a:blip r:embed="rId3">
+            <a:extLst>
+              <a:ext uri="{28A0092B-C50C-407E-A947-70E740481C1C}">
+                <a14:useLocalDpi xmlns:a14="http://schemas.microsoft.com/office/drawing/2010/main" val="0"/>
+              </a:ext>
+            </a:extLst>
+          </a:blip>
+          <a:srcRect/>
+          <a:stretch>
+            <a:fillRect/>
+          </a:stretch>
+        </p:blipFill>
+        <p:spPr bwMode="auto">
+          <a:xfrm>
+            <a:off x="8924338" y="3428999"/>
+            <a:ext cx="2906020" cy="3042921"/>
+          </a:xfrm>
+          <a:prstGeom prst="rect">
+            <a:avLst/>
+          </a:prstGeom>
+          <a:noFill/>
+          <a:extLst>
+            <a:ext uri="{909E8E84-426E-40DD-AFC4-6F175D3DCCD1}">
+              <a14:hiddenFill xmlns:a14="http://schemas.microsoft.com/office/drawing/2010/main">
+                <a:solidFill>
+                  <a:srgbClr val="FFFFFF"/>
+                </a:solidFill>
+              </a14:hiddenFill>
+            </a:ext>
+          </a:extLst>
+        </p:spPr>
+      </p:pic>
+      <p:pic>
+        <p:nvPicPr>
+          <p:cNvPr id="1030" name="Picture 6">
+            <a:extLst>
+              <a:ext uri="{FF2B5EF4-FFF2-40B4-BE49-F238E27FC236}">
+                <a16:creationId xmlns:a16="http://schemas.microsoft.com/office/drawing/2014/main" id="{19D815BD-62DE-9758-C15A-96D195268CBB}"/>
+              </a:ext>
+            </a:extLst>
+          </p:cNvPr>
+          <p:cNvPicPr>
+            <a:picLocks noChangeAspect="1" noChangeArrowheads="1"/>
+          </p:cNvPicPr>
+          <p:nvPr/>
+        </p:nvPicPr>
+        <p:blipFill>
+          <a:blip r:embed="rId4">
+            <a:extLst>
+              <a:ext uri="{28A0092B-C50C-407E-A947-70E740481C1C}">
+                <a14:useLocalDpi xmlns:a14="http://schemas.microsoft.com/office/drawing/2010/main" val="0"/>
+              </a:ext>
+            </a:extLst>
+          </a:blip>
+          <a:srcRect/>
+          <a:stretch>
+            <a:fillRect/>
+          </a:stretch>
+        </p:blipFill>
+        <p:spPr bwMode="auto">
+          <a:xfrm>
+            <a:off x="6375567" y="560717"/>
+            <a:ext cx="2548771" cy="2573897"/>
+          </a:xfrm>
+          <a:prstGeom prst="rect">
+            <a:avLst/>
+          </a:prstGeom>
+          <a:noFill/>
+          <a:ln w="6350">
+            <a:solidFill>
+              <a:schemeClr val="tx1"/>
+            </a:solidFill>
+          </a:ln>
+          <a:extLst>
+            <a:ext uri="{909E8E84-426E-40DD-AFC4-6F175D3DCCD1}">
+              <a14:hiddenFill xmlns:a14="http://schemas.microsoft.com/office/drawing/2010/main">
+                <a:solidFill>
+                  <a:srgbClr val="FFFFFF"/>
+                </a:solidFill>
+              </a14:hiddenFill>
+            </a:ext>
+          </a:extLst>
+        </p:spPr>
+      </p:pic>
+      <p:pic>
+        <p:nvPicPr>
+          <p:cNvPr id="1032" name="Picture 8">
+            <a:extLst>
+              <a:ext uri="{FF2B5EF4-FFF2-40B4-BE49-F238E27FC236}">
+                <a16:creationId xmlns:a16="http://schemas.microsoft.com/office/drawing/2014/main" id="{CAE7BE96-7C1C-9A77-AE93-E89793DEC884}"/>
+              </a:ext>
+            </a:extLst>
+          </p:cNvPr>
+          <p:cNvPicPr>
+            <a:picLocks noChangeAspect="1" noChangeArrowheads="1"/>
+          </p:cNvPicPr>
+          <p:nvPr/>
+        </p:nvPicPr>
+        <p:blipFill>
+          <a:blip r:embed="rId5">
+            <a:extLst>
+              <a:ext uri="{28A0092B-C50C-407E-A947-70E740481C1C}">
+                <a14:useLocalDpi xmlns:a14="http://schemas.microsoft.com/office/drawing/2010/main" val="0"/>
+              </a:ext>
+            </a:extLst>
+          </a:blip>
+          <a:srcRect/>
+          <a:stretch>
+            <a:fillRect/>
+          </a:stretch>
+        </p:blipFill>
+        <p:spPr bwMode="auto">
+          <a:xfrm>
+            <a:off x="6018317" y="3428999"/>
+            <a:ext cx="2906021" cy="3042922"/>
+          </a:xfrm>
+          <a:prstGeom prst="rect">
+            <a:avLst/>
+          </a:prstGeom>
+          <a:noFill/>
+          <a:extLst>
+            <a:ext uri="{909E8E84-426E-40DD-AFC4-6F175D3DCCD1}">
+              <a14:hiddenFill xmlns:a14="http://schemas.microsoft.com/office/drawing/2010/main">
+                <a:solidFill>
+                  <a:srgbClr val="FFFFFF"/>
+                </a:solidFill>
+              </a14:hiddenFill>
+            </a:ext>
+          </a:extLst>
+        </p:spPr>
+      </p:pic>
+      <p:pic>
+        <p:nvPicPr>
+          <p:cNvPr id="1034" name="Picture 10">
+            <a:extLst>
+              <a:ext uri="{FF2B5EF4-FFF2-40B4-BE49-F238E27FC236}">
+                <a16:creationId xmlns:a16="http://schemas.microsoft.com/office/drawing/2014/main" id="{0514360C-DAA4-D0BD-43C5-856F8725D126}"/>
+              </a:ext>
+            </a:extLst>
+          </p:cNvPr>
+          <p:cNvPicPr>
+            <a:picLocks noChangeAspect="1" noChangeArrowheads="1"/>
+          </p:cNvPicPr>
+          <p:nvPr/>
+        </p:nvPicPr>
+        <p:blipFill>
+          <a:blip r:embed="rId6">
+            <a:extLst>
+              <a:ext uri="{28A0092B-C50C-407E-A947-70E740481C1C}">
+                <a14:useLocalDpi xmlns:a14="http://schemas.microsoft.com/office/drawing/2010/main" val="0"/>
+              </a:ext>
+            </a:extLst>
+          </a:blip>
+          <a:srcRect/>
+          <a:stretch>
+            <a:fillRect/>
+          </a:stretch>
+        </p:blipFill>
+        <p:spPr bwMode="auto">
+          <a:xfrm>
+            <a:off x="3464085" y="560717"/>
+            <a:ext cx="2437457" cy="2573897"/>
+          </a:xfrm>
+          <a:prstGeom prst="rect">
+            <a:avLst/>
+          </a:prstGeom>
+          <a:noFill/>
+          <a:ln w="6350">
+            <a:solidFill>
+              <a:schemeClr val="tx1"/>
+            </a:solidFill>
+          </a:ln>
+          <a:extLst>
+            <a:ext uri="{909E8E84-426E-40DD-AFC4-6F175D3DCCD1}">
+              <a14:hiddenFill xmlns:a14="http://schemas.microsoft.com/office/drawing/2010/main">
+                <a:solidFill>
+                  <a:srgbClr val="FFFFFF"/>
+                </a:solidFill>
+              </a14:hiddenFill>
+            </a:ext>
+          </a:extLst>
+        </p:spPr>
+      </p:pic>
+      <p:pic>
+        <p:nvPicPr>
+          <p:cNvPr id="1036" name="Picture 12">
+            <a:extLst>
+              <a:ext uri="{FF2B5EF4-FFF2-40B4-BE49-F238E27FC236}">
+                <a16:creationId xmlns:a16="http://schemas.microsoft.com/office/drawing/2014/main" id="{49CF4130-3584-E851-2033-9BC462F98946}"/>
+              </a:ext>
+            </a:extLst>
+          </p:cNvPr>
+          <p:cNvPicPr>
+            <a:picLocks noChangeAspect="1" noChangeArrowheads="1"/>
+          </p:cNvPicPr>
+          <p:nvPr/>
+        </p:nvPicPr>
+        <p:blipFill>
+          <a:blip r:embed="rId7">
+            <a:extLst>
+              <a:ext uri="{28A0092B-C50C-407E-A947-70E740481C1C}">
+                <a14:useLocalDpi xmlns:a14="http://schemas.microsoft.com/office/drawing/2010/main" val="0"/>
+              </a:ext>
+            </a:extLst>
+          </a:blip>
+          <a:srcRect/>
+          <a:stretch>
+            <a:fillRect/>
+          </a:stretch>
+        </p:blipFill>
+        <p:spPr bwMode="auto">
+          <a:xfrm>
+            <a:off x="3012509" y="3429000"/>
+            <a:ext cx="2980478" cy="3042920"/>
+          </a:xfrm>
+          <a:prstGeom prst="rect">
+            <a:avLst/>
+          </a:prstGeom>
+          <a:noFill/>
+          <a:extLst>
+            <a:ext uri="{909E8E84-426E-40DD-AFC4-6F175D3DCCD1}">
+              <a14:hiddenFill xmlns:a14="http://schemas.microsoft.com/office/drawing/2010/main">
+                <a:solidFill>
+                  <a:srgbClr val="FFFFFF"/>
+                </a:solidFill>
+              </a14:hiddenFill>
+            </a:ext>
+          </a:extLst>
+        </p:spPr>
+      </p:pic>
+      <p:sp>
+        <p:nvSpPr>
+          <p:cNvPr id="2" name="TextBox 1">
+            <a:extLst>
+              <a:ext uri="{FF2B5EF4-FFF2-40B4-BE49-F238E27FC236}">
+                <a16:creationId xmlns:a16="http://schemas.microsoft.com/office/drawing/2014/main" id="{30493992-8247-721C-DF59-1582E3B362DF}"/>
+              </a:ext>
+            </a:extLst>
+          </p:cNvPr>
+          <p:cNvSpPr txBox="1"/>
+          <p:nvPr/>
+        </p:nvSpPr>
+        <p:spPr>
+          <a:xfrm>
+            <a:off x="10283506" y="81666"/>
+            <a:ext cx="667170" cy="369332"/>
+          </a:xfrm>
+          <a:prstGeom prst="rect">
+            <a:avLst/>
+          </a:prstGeom>
+          <a:noFill/>
+        </p:spPr>
+        <p:txBody>
+          <a:bodyPr wrap="none" rtlCol="0">
+            <a:spAutoFit/>
+          </a:bodyPr>
+          <a:lstStyle/>
+          <a:p>
+            <a:r>
+              <a:rPr lang="en-US" dirty="0"/>
+              <a:t>AAPL</a:t>
+            </a:r>
+          </a:p>
+        </p:txBody>
+      </p:sp>
+      <p:sp>
+        <p:nvSpPr>
+          <p:cNvPr id="4" name="TextBox 3">
+            <a:extLst>
+              <a:ext uri="{FF2B5EF4-FFF2-40B4-BE49-F238E27FC236}">
+                <a16:creationId xmlns:a16="http://schemas.microsoft.com/office/drawing/2014/main" id="{8B452FE0-C59E-39EC-5171-C84D4A50638F}"/>
+              </a:ext>
+            </a:extLst>
+          </p:cNvPr>
+          <p:cNvSpPr txBox="1"/>
+          <p:nvPr/>
+        </p:nvSpPr>
+        <p:spPr>
+          <a:xfrm>
+            <a:off x="7316367" y="116266"/>
+            <a:ext cx="622350" cy="369332"/>
+          </a:xfrm>
+          <a:prstGeom prst="rect">
+            <a:avLst/>
+          </a:prstGeom>
+          <a:noFill/>
+        </p:spPr>
+        <p:txBody>
+          <a:bodyPr wrap="none" rtlCol="0">
+            <a:spAutoFit/>
+          </a:bodyPr>
+          <a:lstStyle/>
+          <a:p>
+            <a:r>
+              <a:rPr lang="en-US" dirty="0"/>
+              <a:t>INTC</a:t>
+            </a:r>
+          </a:p>
+        </p:txBody>
+      </p:sp>
+      <p:sp>
+        <p:nvSpPr>
+          <p:cNvPr id="5" name="TextBox 4">
+            <a:extLst>
+              <a:ext uri="{FF2B5EF4-FFF2-40B4-BE49-F238E27FC236}">
+                <a16:creationId xmlns:a16="http://schemas.microsoft.com/office/drawing/2014/main" id="{539E0C69-01AE-3892-296B-912A2DBB48FD}"/>
+              </a:ext>
+            </a:extLst>
+          </p:cNvPr>
+          <p:cNvSpPr txBox="1"/>
+          <p:nvPr/>
+        </p:nvSpPr>
+        <p:spPr>
+          <a:xfrm>
+            <a:off x="4420534" y="119551"/>
+            <a:ext cx="705642" cy="369332"/>
+          </a:xfrm>
+          <a:prstGeom prst="rect">
+            <a:avLst/>
+          </a:prstGeom>
+          <a:noFill/>
+        </p:spPr>
+        <p:txBody>
+          <a:bodyPr wrap="none" rtlCol="0">
+            <a:spAutoFit/>
+          </a:bodyPr>
+          <a:lstStyle/>
+          <a:p>
+            <a:r>
+              <a:rPr lang="en-US" dirty="0"/>
+              <a:t>MSFT</a:t>
+            </a:r>
+          </a:p>
+        </p:txBody>
+      </p:sp>
+    </p:spTree>
+    <p:extLst>
+      <p:ext uri="{BB962C8B-B14F-4D97-AF65-F5344CB8AC3E}">
+        <p14:creationId xmlns:p14="http://schemas.microsoft.com/office/powerpoint/2010/main" val="3611272556"/>
+      </p:ext>
+    </p:extLst>
+  </p:cSld>
+  <p:clrMapOvr>
+    <a:masterClrMapping/>
+  </p:clrMapOvr>
+</p:sld>
+</file>
+
+<file path=ppt/slides/slide11.xml><?xml version="1.0" encoding="utf-8"?>
+<p:sld xmlns:a="http://schemas.openxmlformats.org/drawingml/2006/main" xmlns:r="http://schemas.openxmlformats.org/officeDocument/2006/relationships" xmlns:p="http://schemas.openxmlformats.org/presentationml/2006/main">
+  <p:cSld>
+    <p:spTree>
+      <p:nvGrpSpPr>
+        <p:cNvPr id="1" name="">
+          <a:extLst>
+            <a:ext uri="{FF2B5EF4-FFF2-40B4-BE49-F238E27FC236}">
               <a16:creationId xmlns:a16="http://schemas.microsoft.com/office/drawing/2014/main" id="{4355542C-EE34-9359-C247-73F61F273153}"/>
             </a:ext>
           </a:extLst>
@@ -11106,7 +11622,7 @@
 </p:sld>
 </file>
 
-<file path=ppt/slides/slide11.xml><?xml version="1.0" encoding="utf-8"?>
+<file path=ppt/slides/slide12.xml><?xml version="1.0" encoding="utf-8"?>
 <p:sld xmlns:a="http://schemas.openxmlformats.org/drawingml/2006/main" xmlns:r="http://schemas.openxmlformats.org/officeDocument/2006/relationships" xmlns:p="http://schemas.openxmlformats.org/presentationml/2006/main">
   <p:cSld>
     <p:spTree>
@@ -11297,7 +11813,7 @@
 </p:sld>
 </file>
 
-<file path=ppt/slides/slide12.xml><?xml version="1.0" encoding="utf-8"?>
+<file path=ppt/slides/slide13.xml><?xml version="1.0" encoding="utf-8"?>
 <p:sld xmlns:a="http://schemas.openxmlformats.org/drawingml/2006/main" xmlns:r="http://schemas.openxmlformats.org/officeDocument/2006/relationships" xmlns:p="http://schemas.openxmlformats.org/presentationml/2006/main">
   <p:cSld>
     <p:spTree>
@@ -11479,522 +11995,6 @@
     <p:extLst>
       <p:ext uri="{BB962C8B-B14F-4D97-AF65-F5344CB8AC3E}">
         <p14:creationId xmlns:p14="http://schemas.microsoft.com/office/powerpoint/2010/main" val="2997735870"/>
-      </p:ext>
-    </p:extLst>
-  </p:cSld>
-  <p:clrMapOvr>
-    <a:masterClrMapping/>
-  </p:clrMapOvr>
-</p:sld>
-</file>
-
-<file path=ppt/slides/slide13.xml><?xml version="1.0" encoding="utf-8"?>
-<p:sld xmlns:a="http://schemas.openxmlformats.org/drawingml/2006/main" xmlns:r="http://schemas.openxmlformats.org/officeDocument/2006/relationships" xmlns:p="http://schemas.openxmlformats.org/presentationml/2006/main">
-  <p:cSld>
-    <p:spTree>
-      <p:nvGrpSpPr>
-        <p:cNvPr id="1" name="">
-          <a:extLst>
-            <a:ext uri="{FF2B5EF4-FFF2-40B4-BE49-F238E27FC236}">
-              <a16:creationId xmlns:a16="http://schemas.microsoft.com/office/drawing/2014/main" id="{D0E67409-C274-6F51-C40D-6341A235D3A3}"/>
-            </a:ext>
-          </a:extLst>
-        </p:cNvPr>
-        <p:cNvGrpSpPr/>
-        <p:nvPr/>
-      </p:nvGrpSpPr>
-      <p:grpSpPr>
-        <a:xfrm>
-          <a:off x="0" y="0"/>
-          <a:ext cx="0" cy="0"/>
-          <a:chOff x="0" y="0"/>
-          <a:chExt cx="0" cy="0"/>
-        </a:xfrm>
-      </p:grpSpPr>
-      <p:sp>
-        <p:nvSpPr>
-          <p:cNvPr id="72" name="Title 1">
-            <a:extLst>
-              <a:ext uri="{FF2B5EF4-FFF2-40B4-BE49-F238E27FC236}">
-                <a16:creationId xmlns:a16="http://schemas.microsoft.com/office/drawing/2014/main" id="{009674C2-1CD8-107D-1BC0-2BEEE7A1C039}"/>
-              </a:ext>
-            </a:extLst>
-          </p:cNvPr>
-          <p:cNvSpPr txBox="1">
-            <a:spLocks/>
-          </p:cNvSpPr>
-          <p:nvPr/>
-        </p:nvSpPr>
-        <p:spPr>
-          <a:xfrm>
-            <a:off x="214994" y="-589280"/>
-            <a:ext cx="3584848" cy="4165600"/>
-          </a:xfrm>
-          <a:prstGeom prst="rect">
-            <a:avLst/>
-          </a:prstGeom>
-        </p:spPr>
-        <p:txBody>
-          <a:bodyPr vert="horz" lIns="91440" tIns="45720" rIns="91440" bIns="45720" rtlCol="0" anchor="b">
-            <a:normAutofit/>
-          </a:bodyPr>
-          <a:lstStyle>
-            <a:lvl1pPr algn="ctr" defTabSz="914400" rtl="0" eaLnBrk="1" latinLnBrk="0" hangingPunct="1">
-              <a:lnSpc>
-                <a:spcPct val="90000"/>
-              </a:lnSpc>
-              <a:spcBef>
-                <a:spcPct val="0"/>
-              </a:spcBef>
-              <a:buNone/>
-              <a:defRPr sz="6000" kern="1200">
-                <a:solidFill>
-                  <a:schemeClr val="tx1"/>
-                </a:solidFill>
-                <a:latin typeface="+mj-lt"/>
-                <a:ea typeface="+mj-ea"/>
-                <a:cs typeface="+mj-cs"/>
-              </a:defRPr>
-            </a:lvl1pPr>
-          </a:lstStyle>
-          <a:p>
-            <a:pPr algn="l">
-              <a:defRPr sz="3000" b="1">
-                <a:solidFill>
-                  <a:srgbClr val="203A5F"/>
-                </a:solidFill>
-              </a:defRPr>
-            </a:pPr>
-            <a:r>
-              <a:rPr lang="en-US" sz="4400" dirty="0" err="1"/>
-              <a:t>Fastai</a:t>
-            </a:r>
-            <a:r>
-              <a:rPr lang="en-US" sz="4400" dirty="0"/>
-              <a:t> </a:t>
-            </a:r>
-          </a:p>
-          <a:p>
-            <a:pPr algn="l">
-              <a:defRPr sz="3000" b="1">
-                <a:solidFill>
-                  <a:srgbClr val="203A5F"/>
-                </a:solidFill>
-              </a:defRPr>
-            </a:pPr>
-            <a:r>
-              <a:rPr lang="en-US" sz="4400" dirty="0"/>
-              <a:t>classification </a:t>
-            </a:r>
-          </a:p>
-        </p:txBody>
-      </p:sp>
-      <p:pic>
-        <p:nvPicPr>
-          <p:cNvPr id="1026" name="Picture 2">
-            <a:extLst>
-              <a:ext uri="{FF2B5EF4-FFF2-40B4-BE49-F238E27FC236}">
-                <a16:creationId xmlns:a16="http://schemas.microsoft.com/office/drawing/2014/main" id="{479069C2-5473-80B0-F041-1A01CE0980D4}"/>
-              </a:ext>
-            </a:extLst>
-          </p:cNvPr>
-          <p:cNvPicPr>
-            <a:picLocks noChangeAspect="1" noChangeArrowheads="1"/>
-          </p:cNvPicPr>
-          <p:nvPr/>
-        </p:nvPicPr>
-        <p:blipFill>
-          <a:blip r:embed="rId2">
-            <a:extLst>
-              <a:ext uri="{28A0092B-C50C-407E-A947-70E740481C1C}">
-                <a14:useLocalDpi xmlns:a14="http://schemas.microsoft.com/office/drawing/2010/main" val="0"/>
-              </a:ext>
-            </a:extLst>
-          </a:blip>
-          <a:srcRect/>
-          <a:stretch>
-            <a:fillRect/>
-          </a:stretch>
-        </p:blipFill>
-        <p:spPr bwMode="auto">
-          <a:xfrm>
-            <a:off x="9398363" y="560717"/>
-            <a:ext cx="2437457" cy="2573897"/>
-          </a:xfrm>
-          <a:prstGeom prst="rect">
-            <a:avLst/>
-          </a:prstGeom>
-          <a:noFill/>
-          <a:ln w="6350">
-            <a:solidFill>
-              <a:schemeClr val="tx1"/>
-            </a:solidFill>
-          </a:ln>
-          <a:extLst>
-            <a:ext uri="{909E8E84-426E-40DD-AFC4-6F175D3DCCD1}">
-              <a14:hiddenFill xmlns:a14="http://schemas.microsoft.com/office/drawing/2010/main">
-                <a:solidFill>
-                  <a:srgbClr val="FFFFFF"/>
-                </a:solidFill>
-              </a14:hiddenFill>
-            </a:ext>
-          </a:extLst>
-        </p:spPr>
-      </p:pic>
-      <p:pic>
-        <p:nvPicPr>
-          <p:cNvPr id="1028" name="Picture 4">
-            <a:extLst>
-              <a:ext uri="{FF2B5EF4-FFF2-40B4-BE49-F238E27FC236}">
-                <a16:creationId xmlns:a16="http://schemas.microsoft.com/office/drawing/2014/main" id="{23EBEB0C-8BC5-AE9C-C994-71F266657AD7}"/>
-              </a:ext>
-            </a:extLst>
-          </p:cNvPr>
-          <p:cNvPicPr>
-            <a:picLocks noChangeAspect="1" noChangeArrowheads="1"/>
-          </p:cNvPicPr>
-          <p:nvPr/>
-        </p:nvPicPr>
-        <p:blipFill>
-          <a:blip r:embed="rId3">
-            <a:extLst>
-              <a:ext uri="{28A0092B-C50C-407E-A947-70E740481C1C}">
-                <a14:useLocalDpi xmlns:a14="http://schemas.microsoft.com/office/drawing/2010/main" val="0"/>
-              </a:ext>
-            </a:extLst>
-          </a:blip>
-          <a:srcRect/>
-          <a:stretch>
-            <a:fillRect/>
-          </a:stretch>
-        </p:blipFill>
-        <p:spPr bwMode="auto">
-          <a:xfrm>
-            <a:off x="8924338" y="3428999"/>
-            <a:ext cx="2906020" cy="3042921"/>
-          </a:xfrm>
-          <a:prstGeom prst="rect">
-            <a:avLst/>
-          </a:prstGeom>
-          <a:noFill/>
-          <a:extLst>
-            <a:ext uri="{909E8E84-426E-40DD-AFC4-6F175D3DCCD1}">
-              <a14:hiddenFill xmlns:a14="http://schemas.microsoft.com/office/drawing/2010/main">
-                <a:solidFill>
-                  <a:srgbClr val="FFFFFF"/>
-                </a:solidFill>
-              </a14:hiddenFill>
-            </a:ext>
-          </a:extLst>
-        </p:spPr>
-      </p:pic>
-      <p:pic>
-        <p:nvPicPr>
-          <p:cNvPr id="1030" name="Picture 6">
-            <a:extLst>
-              <a:ext uri="{FF2B5EF4-FFF2-40B4-BE49-F238E27FC236}">
-                <a16:creationId xmlns:a16="http://schemas.microsoft.com/office/drawing/2014/main" id="{19D815BD-62DE-9758-C15A-96D195268CBB}"/>
-              </a:ext>
-            </a:extLst>
-          </p:cNvPr>
-          <p:cNvPicPr>
-            <a:picLocks noChangeAspect="1" noChangeArrowheads="1"/>
-          </p:cNvPicPr>
-          <p:nvPr/>
-        </p:nvPicPr>
-        <p:blipFill>
-          <a:blip r:embed="rId4">
-            <a:extLst>
-              <a:ext uri="{28A0092B-C50C-407E-A947-70E740481C1C}">
-                <a14:useLocalDpi xmlns:a14="http://schemas.microsoft.com/office/drawing/2010/main" val="0"/>
-              </a:ext>
-            </a:extLst>
-          </a:blip>
-          <a:srcRect/>
-          <a:stretch>
-            <a:fillRect/>
-          </a:stretch>
-        </p:blipFill>
-        <p:spPr bwMode="auto">
-          <a:xfrm>
-            <a:off x="6375567" y="560717"/>
-            <a:ext cx="2548771" cy="2573897"/>
-          </a:xfrm>
-          <a:prstGeom prst="rect">
-            <a:avLst/>
-          </a:prstGeom>
-          <a:noFill/>
-          <a:ln w="6350">
-            <a:solidFill>
-              <a:schemeClr val="tx1"/>
-            </a:solidFill>
-          </a:ln>
-          <a:extLst>
-            <a:ext uri="{909E8E84-426E-40DD-AFC4-6F175D3DCCD1}">
-              <a14:hiddenFill xmlns:a14="http://schemas.microsoft.com/office/drawing/2010/main">
-                <a:solidFill>
-                  <a:srgbClr val="FFFFFF"/>
-                </a:solidFill>
-              </a14:hiddenFill>
-            </a:ext>
-          </a:extLst>
-        </p:spPr>
-      </p:pic>
-      <p:pic>
-        <p:nvPicPr>
-          <p:cNvPr id="1032" name="Picture 8">
-            <a:extLst>
-              <a:ext uri="{FF2B5EF4-FFF2-40B4-BE49-F238E27FC236}">
-                <a16:creationId xmlns:a16="http://schemas.microsoft.com/office/drawing/2014/main" id="{CAE7BE96-7C1C-9A77-AE93-E89793DEC884}"/>
-              </a:ext>
-            </a:extLst>
-          </p:cNvPr>
-          <p:cNvPicPr>
-            <a:picLocks noChangeAspect="1" noChangeArrowheads="1"/>
-          </p:cNvPicPr>
-          <p:nvPr/>
-        </p:nvPicPr>
-        <p:blipFill>
-          <a:blip r:embed="rId5">
-            <a:extLst>
-              <a:ext uri="{28A0092B-C50C-407E-A947-70E740481C1C}">
-                <a14:useLocalDpi xmlns:a14="http://schemas.microsoft.com/office/drawing/2010/main" val="0"/>
-              </a:ext>
-            </a:extLst>
-          </a:blip>
-          <a:srcRect/>
-          <a:stretch>
-            <a:fillRect/>
-          </a:stretch>
-        </p:blipFill>
-        <p:spPr bwMode="auto">
-          <a:xfrm>
-            <a:off x="6018317" y="3428999"/>
-            <a:ext cx="2906021" cy="3042922"/>
-          </a:xfrm>
-          <a:prstGeom prst="rect">
-            <a:avLst/>
-          </a:prstGeom>
-          <a:noFill/>
-          <a:extLst>
-            <a:ext uri="{909E8E84-426E-40DD-AFC4-6F175D3DCCD1}">
-              <a14:hiddenFill xmlns:a14="http://schemas.microsoft.com/office/drawing/2010/main">
-                <a:solidFill>
-                  <a:srgbClr val="FFFFFF"/>
-                </a:solidFill>
-              </a14:hiddenFill>
-            </a:ext>
-          </a:extLst>
-        </p:spPr>
-      </p:pic>
-      <p:pic>
-        <p:nvPicPr>
-          <p:cNvPr id="1034" name="Picture 10">
-            <a:extLst>
-              <a:ext uri="{FF2B5EF4-FFF2-40B4-BE49-F238E27FC236}">
-                <a16:creationId xmlns:a16="http://schemas.microsoft.com/office/drawing/2014/main" id="{0514360C-DAA4-D0BD-43C5-856F8725D126}"/>
-              </a:ext>
-            </a:extLst>
-          </p:cNvPr>
-          <p:cNvPicPr>
-            <a:picLocks noChangeAspect="1" noChangeArrowheads="1"/>
-          </p:cNvPicPr>
-          <p:nvPr/>
-        </p:nvPicPr>
-        <p:blipFill>
-          <a:blip r:embed="rId6">
-            <a:extLst>
-              <a:ext uri="{28A0092B-C50C-407E-A947-70E740481C1C}">
-                <a14:useLocalDpi xmlns:a14="http://schemas.microsoft.com/office/drawing/2010/main" val="0"/>
-              </a:ext>
-            </a:extLst>
-          </a:blip>
-          <a:srcRect/>
-          <a:stretch>
-            <a:fillRect/>
-          </a:stretch>
-        </p:blipFill>
-        <p:spPr bwMode="auto">
-          <a:xfrm>
-            <a:off x="3464085" y="560717"/>
-            <a:ext cx="2437457" cy="2573897"/>
-          </a:xfrm>
-          <a:prstGeom prst="rect">
-            <a:avLst/>
-          </a:prstGeom>
-          <a:noFill/>
-          <a:ln w="6350">
-            <a:solidFill>
-              <a:schemeClr val="tx1"/>
-            </a:solidFill>
-          </a:ln>
-          <a:extLst>
-            <a:ext uri="{909E8E84-426E-40DD-AFC4-6F175D3DCCD1}">
-              <a14:hiddenFill xmlns:a14="http://schemas.microsoft.com/office/drawing/2010/main">
-                <a:solidFill>
-                  <a:srgbClr val="FFFFFF"/>
-                </a:solidFill>
-              </a14:hiddenFill>
-            </a:ext>
-          </a:extLst>
-        </p:spPr>
-      </p:pic>
-      <p:pic>
-        <p:nvPicPr>
-          <p:cNvPr id="1036" name="Picture 12">
-            <a:extLst>
-              <a:ext uri="{FF2B5EF4-FFF2-40B4-BE49-F238E27FC236}">
-                <a16:creationId xmlns:a16="http://schemas.microsoft.com/office/drawing/2014/main" id="{49CF4130-3584-E851-2033-9BC462F98946}"/>
-              </a:ext>
-            </a:extLst>
-          </p:cNvPr>
-          <p:cNvPicPr>
-            <a:picLocks noChangeAspect="1" noChangeArrowheads="1"/>
-          </p:cNvPicPr>
-          <p:nvPr/>
-        </p:nvPicPr>
-        <p:blipFill>
-          <a:blip r:embed="rId7">
-            <a:extLst>
-              <a:ext uri="{28A0092B-C50C-407E-A947-70E740481C1C}">
-                <a14:useLocalDpi xmlns:a14="http://schemas.microsoft.com/office/drawing/2010/main" val="0"/>
-              </a:ext>
-            </a:extLst>
-          </a:blip>
-          <a:srcRect/>
-          <a:stretch>
-            <a:fillRect/>
-          </a:stretch>
-        </p:blipFill>
-        <p:spPr bwMode="auto">
-          <a:xfrm>
-            <a:off x="3012509" y="3429000"/>
-            <a:ext cx="2980478" cy="3042920"/>
-          </a:xfrm>
-          <a:prstGeom prst="rect">
-            <a:avLst/>
-          </a:prstGeom>
-          <a:noFill/>
-          <a:extLst>
-            <a:ext uri="{909E8E84-426E-40DD-AFC4-6F175D3DCCD1}">
-              <a14:hiddenFill xmlns:a14="http://schemas.microsoft.com/office/drawing/2010/main">
-                <a:solidFill>
-                  <a:srgbClr val="FFFFFF"/>
-                </a:solidFill>
-              </a14:hiddenFill>
-            </a:ext>
-          </a:extLst>
-        </p:spPr>
-      </p:pic>
-      <p:sp>
-        <p:nvSpPr>
-          <p:cNvPr id="2" name="TextBox 1">
-            <a:extLst>
-              <a:ext uri="{FF2B5EF4-FFF2-40B4-BE49-F238E27FC236}">
-                <a16:creationId xmlns:a16="http://schemas.microsoft.com/office/drawing/2014/main" id="{30493992-8247-721C-DF59-1582E3B362DF}"/>
-              </a:ext>
-            </a:extLst>
-          </p:cNvPr>
-          <p:cNvSpPr txBox="1"/>
-          <p:nvPr/>
-        </p:nvSpPr>
-        <p:spPr>
-          <a:xfrm>
-            <a:off x="10283506" y="81666"/>
-            <a:ext cx="667170" cy="369332"/>
-          </a:xfrm>
-          <a:prstGeom prst="rect">
-            <a:avLst/>
-          </a:prstGeom>
-          <a:noFill/>
-        </p:spPr>
-        <p:txBody>
-          <a:bodyPr wrap="none" rtlCol="0">
-            <a:spAutoFit/>
-          </a:bodyPr>
-          <a:lstStyle/>
-          <a:p>
-            <a:r>
-              <a:rPr lang="en-US" dirty="0"/>
-              <a:t>AAPL</a:t>
-            </a:r>
-          </a:p>
-        </p:txBody>
-      </p:sp>
-      <p:sp>
-        <p:nvSpPr>
-          <p:cNvPr id="4" name="TextBox 3">
-            <a:extLst>
-              <a:ext uri="{FF2B5EF4-FFF2-40B4-BE49-F238E27FC236}">
-                <a16:creationId xmlns:a16="http://schemas.microsoft.com/office/drawing/2014/main" id="{8B452FE0-C59E-39EC-5171-C84D4A50638F}"/>
-              </a:ext>
-            </a:extLst>
-          </p:cNvPr>
-          <p:cNvSpPr txBox="1"/>
-          <p:nvPr/>
-        </p:nvSpPr>
-        <p:spPr>
-          <a:xfrm>
-            <a:off x="7316367" y="116266"/>
-            <a:ext cx="622350" cy="369332"/>
-          </a:xfrm>
-          <a:prstGeom prst="rect">
-            <a:avLst/>
-          </a:prstGeom>
-          <a:noFill/>
-        </p:spPr>
-        <p:txBody>
-          <a:bodyPr wrap="none" rtlCol="0">
-            <a:spAutoFit/>
-          </a:bodyPr>
-          <a:lstStyle/>
-          <a:p>
-            <a:r>
-              <a:rPr lang="en-US" dirty="0"/>
-              <a:t>INTC</a:t>
-            </a:r>
-          </a:p>
-        </p:txBody>
-      </p:sp>
-      <p:sp>
-        <p:nvSpPr>
-          <p:cNvPr id="5" name="TextBox 4">
-            <a:extLst>
-              <a:ext uri="{FF2B5EF4-FFF2-40B4-BE49-F238E27FC236}">
-                <a16:creationId xmlns:a16="http://schemas.microsoft.com/office/drawing/2014/main" id="{539E0C69-01AE-3892-296B-912A2DBB48FD}"/>
-              </a:ext>
-            </a:extLst>
-          </p:cNvPr>
-          <p:cNvSpPr txBox="1"/>
-          <p:nvPr/>
-        </p:nvSpPr>
-        <p:spPr>
-          <a:xfrm>
-            <a:off x="4420534" y="119551"/>
-            <a:ext cx="705642" cy="369332"/>
-          </a:xfrm>
-          <a:prstGeom prst="rect">
-            <a:avLst/>
-          </a:prstGeom>
-          <a:noFill/>
-        </p:spPr>
-        <p:txBody>
-          <a:bodyPr wrap="none" rtlCol="0">
-            <a:spAutoFit/>
-          </a:bodyPr>
-          <a:lstStyle/>
-          <a:p>
-            <a:r>
-              <a:rPr lang="en-US" dirty="0"/>
-              <a:t>MSFT</a:t>
-            </a:r>
-          </a:p>
-        </p:txBody>
-      </p:sp>
-    </p:spTree>
-    <p:extLst>
-      <p:ext uri="{BB962C8B-B14F-4D97-AF65-F5344CB8AC3E}">
-        <p14:creationId xmlns:p14="http://schemas.microsoft.com/office/powerpoint/2010/main" val="3611272556"/>
       </p:ext>
     </p:extLst>
   </p:cSld>
@@ -14171,7 +14171,7 @@
             </a:pPr>
             <a:r>
               <a:rPr lang="en-US" sz="1200" dirty="0"/>
-              <a:t>Aggregates historical stock prices + macroeconomic indicators: Oil, Gold, S&amp;P, NASDAQ, Real Estate, Inflation expectations</a:t>
+              <a:t>Aggregates historical target stock prices + macroeconomic indicators: Oil, Gold, S&amp;P, NASDAQ, Real Estate, Inflation expectations</a:t>
             </a:r>
           </a:p>
         </p:txBody>
@@ -18191,7 +18191,7 @@
         </p:nvSpPr>
         <p:spPr>
           <a:xfrm>
-            <a:off x="139456" y="1638563"/>
+            <a:off x="363626" y="1729311"/>
             <a:ext cx="1252503" cy="2446824"/>
           </a:xfrm>
           <a:prstGeom prst="rect">
@@ -18361,6 +18361,11 @@
           <a:prstGeom prst="rect">
             <a:avLst/>
           </a:prstGeom>
+          <a:ln w="6350">
+            <a:solidFill>
+              <a:schemeClr val="tx1"/>
+            </a:solidFill>
+          </a:ln>
         </p:spPr>
       </p:pic>
       <p:pic>
@@ -18421,6 +18426,53 @@
           <a:prstGeom prst="rect">
             <a:avLst/>
           </a:prstGeom>
+        </p:spPr>
+      </p:pic>
+      <p:pic>
+        <p:nvPicPr>
+          <p:cNvPr id="1026" name="Picture 2">
+            <a:extLst>
+              <a:ext uri="{FF2B5EF4-FFF2-40B4-BE49-F238E27FC236}">
+                <a16:creationId xmlns:a16="http://schemas.microsoft.com/office/drawing/2014/main" id="{75D45708-0E60-079D-32CB-43AD0E0F699E}"/>
+              </a:ext>
+            </a:extLst>
+          </p:cNvPr>
+          <p:cNvPicPr>
+            <a:picLocks noChangeAspect="1" noChangeArrowheads="1"/>
+          </p:cNvPicPr>
+          <p:nvPr/>
+        </p:nvPicPr>
+        <p:blipFill>
+          <a:blip r:embed="rId8">
+            <a:extLst>
+              <a:ext uri="{28A0092B-C50C-407E-A947-70E740481C1C}">
+                <a14:useLocalDpi xmlns:a14="http://schemas.microsoft.com/office/drawing/2010/main" val="0"/>
+              </a:ext>
+            </a:extLst>
+          </a:blip>
+          <a:srcRect/>
+          <a:stretch>
+            <a:fillRect/>
+          </a:stretch>
+        </p:blipFill>
+        <p:spPr bwMode="auto">
+          <a:xfrm>
+            <a:off x="84452" y="884891"/>
+            <a:ext cx="1694013" cy="883975"/>
+          </a:xfrm>
+          <a:prstGeom prst="rect">
+            <a:avLst/>
+          </a:prstGeom>
+          <a:noFill/>
+          <a:extLst>
+            <a:ext uri="{909E8E84-426E-40DD-AFC4-6F175D3DCCD1}">
+              <a14:hiddenFill xmlns:a14="http://schemas.microsoft.com/office/drawing/2010/main">
+                <a:solidFill>
+                  <a:srgbClr val="FFFFFF"/>
+                </a:solidFill>
+              </a14:hiddenFill>
+            </a:ext>
+          </a:extLst>
         </p:spPr>
       </p:pic>
     </p:spTree>
